--- a/Linux.pptx
+++ b/Linux.pptx
@@ -104,6 +104,11 @@
       </a:defRPr>
     </a:lvl9pPr>
   </p:defaultTextStyle>
+  <p:extLst>
+    <p:ext uri="{EFAFB233-063F-42B5-8137-9DF3F51BA10A}">
+      <p15:sldGuideLst xmlns:p15="http://schemas.microsoft.com/office/powerpoint/2012/main"/>
+    </p:ext>
+  </p:extLst>
 </p:presentation>
 </file>
 
@@ -3392,6 +3397,10 @@
           <a:bodyPr/>
           <a:lstStyle/>
           <a:p>
+            <a:r>
+              <a:rPr lang="en-US"/>
+              <a:t>test</a:t>
+            </a:r>
             <a:endParaRPr lang="cs-CZ"/>
           </a:p>
         </p:txBody>

--- a/Linux.pptx
+++ b/Linux.pptx
@@ -3397,10 +3397,6 @@
           <a:bodyPr/>
           <a:lstStyle/>
           <a:p>
-            <a:r>
-              <a:rPr lang="en-US"/>
-              <a:t>test</a:t>
-            </a:r>
             <a:endParaRPr lang="cs-CZ"/>
           </a:p>
         </p:txBody>

--- a/Linux.pptx
+++ b/Linux.pptx
@@ -3397,7 +3397,10 @@
           <a:bodyPr/>
           <a:lstStyle/>
           <a:p>
-            <a:endParaRPr lang="cs-CZ"/>
+            <a:r>
+              <a:rPr lang="cs-CZ"/>
+              <a:t>test</a:t>
+            </a:r>
           </a:p>
         </p:txBody>
       </p:sp>

--- a/Linux.pptx
+++ b/Linux.pptx
@@ -3398,9 +3398,14 @@
           <a:lstStyle/>
           <a:p>
             <a:r>
-              <a:rPr lang="cs-CZ"/>
+              <a:rPr lang="cs-CZ" dirty="0"/>
               <a:t>test</a:t>
             </a:r>
+            <a:r>
+              <a:rPr lang="en-US"/>
+              <a:t>ik</a:t>
+            </a:r>
+            <a:endParaRPr lang="cs-CZ"/>
           </a:p>
         </p:txBody>
       </p:sp>

--- a/Linux.pptx
+++ b/Linux.pptx
@@ -261,7 +261,7 @@
           <a:p>
             <a:fld id="{C089550A-CBFA-4294-9828-C665766AF98E}" type="datetimeFigureOut">
               <a:rPr lang="cs-CZ" smtClean="0"/>
-              <a:t>13.12.2022</a:t>
+              <a:t>14.12.2022</a:t>
             </a:fld>
             <a:endParaRPr lang="cs-CZ"/>
           </a:p>
@@ -461,7 +461,7 @@
           <a:p>
             <a:fld id="{C089550A-CBFA-4294-9828-C665766AF98E}" type="datetimeFigureOut">
               <a:rPr lang="cs-CZ" smtClean="0"/>
-              <a:t>13.12.2022</a:t>
+              <a:t>14.12.2022</a:t>
             </a:fld>
             <a:endParaRPr lang="cs-CZ"/>
           </a:p>
@@ -671,7 +671,7 @@
           <a:p>
             <a:fld id="{C089550A-CBFA-4294-9828-C665766AF98E}" type="datetimeFigureOut">
               <a:rPr lang="cs-CZ" smtClean="0"/>
-              <a:t>13.12.2022</a:t>
+              <a:t>14.12.2022</a:t>
             </a:fld>
             <a:endParaRPr lang="cs-CZ"/>
           </a:p>
@@ -871,7 +871,7 @@
           <a:p>
             <a:fld id="{C089550A-CBFA-4294-9828-C665766AF98E}" type="datetimeFigureOut">
               <a:rPr lang="cs-CZ" smtClean="0"/>
-              <a:t>13.12.2022</a:t>
+              <a:t>14.12.2022</a:t>
             </a:fld>
             <a:endParaRPr lang="cs-CZ"/>
           </a:p>
@@ -1147,7 +1147,7 @@
           <a:p>
             <a:fld id="{C089550A-CBFA-4294-9828-C665766AF98E}" type="datetimeFigureOut">
               <a:rPr lang="cs-CZ" smtClean="0"/>
-              <a:t>13.12.2022</a:t>
+              <a:t>14.12.2022</a:t>
             </a:fld>
             <a:endParaRPr lang="cs-CZ"/>
           </a:p>
@@ -1415,7 +1415,7 @@
           <a:p>
             <a:fld id="{C089550A-CBFA-4294-9828-C665766AF98E}" type="datetimeFigureOut">
               <a:rPr lang="cs-CZ" smtClean="0"/>
-              <a:t>13.12.2022</a:t>
+              <a:t>14.12.2022</a:t>
             </a:fld>
             <a:endParaRPr lang="cs-CZ"/>
           </a:p>
@@ -1830,7 +1830,7 @@
           <a:p>
             <a:fld id="{C089550A-CBFA-4294-9828-C665766AF98E}" type="datetimeFigureOut">
               <a:rPr lang="cs-CZ" smtClean="0"/>
-              <a:t>13.12.2022</a:t>
+              <a:t>14.12.2022</a:t>
             </a:fld>
             <a:endParaRPr lang="cs-CZ"/>
           </a:p>
@@ -1972,7 +1972,7 @@
           <a:p>
             <a:fld id="{C089550A-CBFA-4294-9828-C665766AF98E}" type="datetimeFigureOut">
               <a:rPr lang="cs-CZ" smtClean="0"/>
-              <a:t>13.12.2022</a:t>
+              <a:t>14.12.2022</a:t>
             </a:fld>
             <a:endParaRPr lang="cs-CZ"/>
           </a:p>
@@ -2085,7 +2085,7 @@
           <a:p>
             <a:fld id="{C089550A-CBFA-4294-9828-C665766AF98E}" type="datetimeFigureOut">
               <a:rPr lang="cs-CZ" smtClean="0"/>
-              <a:t>13.12.2022</a:t>
+              <a:t>14.12.2022</a:t>
             </a:fld>
             <a:endParaRPr lang="cs-CZ"/>
           </a:p>
@@ -2398,7 +2398,7 @@
           <a:p>
             <a:fld id="{C089550A-CBFA-4294-9828-C665766AF98E}" type="datetimeFigureOut">
               <a:rPr lang="cs-CZ" smtClean="0"/>
-              <a:t>13.12.2022</a:t>
+              <a:t>14.12.2022</a:t>
             </a:fld>
             <a:endParaRPr lang="cs-CZ"/>
           </a:p>
@@ -2687,7 +2687,7 @@
           <a:p>
             <a:fld id="{C089550A-CBFA-4294-9828-C665766AF98E}" type="datetimeFigureOut">
               <a:rPr lang="cs-CZ" smtClean="0"/>
-              <a:t>13.12.2022</a:t>
+              <a:t>14.12.2022</a:t>
             </a:fld>
             <a:endParaRPr lang="cs-CZ"/>
           </a:p>
@@ -2930,7 +2930,7 @@
           <a:p>
             <a:fld id="{C089550A-CBFA-4294-9828-C665766AF98E}" type="datetimeFigureOut">
               <a:rPr lang="cs-CZ" smtClean="0"/>
-              <a:t>13.12.2022</a:t>
+              <a:t>14.12.2022</a:t>
             </a:fld>
             <a:endParaRPr lang="cs-CZ"/>
           </a:p>
@@ -3397,15 +3397,7 @@
           <a:bodyPr/>
           <a:lstStyle/>
           <a:p>
-            <a:r>
-              <a:rPr lang="cs-CZ" dirty="0"/>
-              <a:t>test</a:t>
-            </a:r>
-            <a:r>
-              <a:rPr lang="en-US"/>
-              <a:t>ik</a:t>
-            </a:r>
-            <a:endParaRPr lang="cs-CZ"/>
+            <a:endParaRPr lang="cs-CZ" dirty="0"/>
           </a:p>
         </p:txBody>
       </p:sp>

--- a/Linux.pptx
+++ b/Linux.pptx
@@ -3397,6 +3397,10 @@
           <a:bodyPr/>
           <a:lstStyle/>
           <a:p>
+            <a:r>
+              <a:rPr lang="cs-CZ"/>
+              <a:t>¨1234</a:t>
+            </a:r>
             <a:endParaRPr lang="cs-CZ" dirty="0"/>
           </a:p>
         </p:txBody>
